--- a/总结汇报-余泳松 - 副本.pptx
+++ b/总结汇报-余泳松 - 副本.pptx
@@ -5,7 +5,7 @@
     <p:sldMasterId id="2147483648" r:id="rId1"/>
   </p:sldMasterIdLst>
   <p:notesMasterIdLst>
-    <p:notesMasterId r:id="rId14"/>
+    <p:notesMasterId r:id="rId16"/>
   </p:notesMasterIdLst>
   <p:sldIdLst>
     <p:sldId id="424" r:id="rId2"/>
@@ -20,11 +20,13 @@
     <p:sldId id="422" r:id="rId11"/>
     <p:sldId id="420" r:id="rId12"/>
     <p:sldId id="421" r:id="rId13"/>
+    <p:sldId id="428" r:id="rId14"/>
+    <p:sldId id="429" r:id="rId15"/>
   </p:sldIdLst>
   <p:sldSz cx="12192000" cy="6858000"/>
   <p:notesSz cx="6858000" cy="9144000"/>
   <p:custDataLst>
-    <p:tags r:id="rId15"/>
+    <p:tags r:id="rId17"/>
   </p:custDataLst>
   <p:defaultTextStyle>
     <a:defPPr>
@@ -219,7 +221,7 @@
           <a:p>
             <a:fld id="{5D13BBE5-0BEA-4494-9BEF-C8C2F48C9E2D}" type="datetimeFigureOut">
               <a:rPr lang="zh-CN" altLang="en-US" smtClean="0"/>
-              <a:t>2024/10/15</a:t>
+              <a:t>2024/10/16</a:t>
             </a:fld>
             <a:endParaRPr lang="zh-CN" altLang="en-US"/>
           </a:p>
@@ -866,6 +868,222 @@
     <p:extLst>
       <p:ext uri="{BB962C8B-B14F-4D97-AF65-F5344CB8AC3E}">
         <p14:creationId xmlns:p14="http://schemas.microsoft.com/office/powerpoint/2010/main" val="3605402173"/>
+      </p:ext>
+    </p:extLst>
+  </p:cSld>
+  <p:clrMapOvr>
+    <a:masterClrMapping/>
+  </p:clrMapOvr>
+</p:notes>
+</file>
+
+<file path=ppt/notesSlides/notesSlide13.xml><?xml version="1.0" encoding="utf-8"?>
+<p:notes xmlns:a="http://schemas.openxmlformats.org/drawingml/2006/main" xmlns:r="http://schemas.openxmlformats.org/officeDocument/2006/relationships" xmlns:p="http://schemas.openxmlformats.org/presentationml/2006/main">
+  <p:cSld>
+    <p:spTree>
+      <p:nvGrpSpPr>
+        <p:cNvPr id="1" name="">
+          <a:extLst>
+            <a:ext uri="{FF2B5EF4-FFF2-40B4-BE49-F238E27FC236}">
+              <a16:creationId xmlns:a16="http://schemas.microsoft.com/office/drawing/2014/main" id="{88298117-4E82-D42A-88CD-4FD88F353D30}"/>
+            </a:ext>
+          </a:extLst>
+        </p:cNvPr>
+        <p:cNvGrpSpPr/>
+        <p:nvPr/>
+      </p:nvGrpSpPr>
+      <p:grpSpPr>
+        <a:xfrm>
+          <a:off x="0" y="0"/>
+          <a:ext cx="0" cy="0"/>
+          <a:chOff x="0" y="0"/>
+          <a:chExt cx="0" cy="0"/>
+        </a:xfrm>
+      </p:grpSpPr>
+      <p:sp>
+        <p:nvSpPr>
+          <p:cNvPr id="2" name="幻灯片图像占位符 1">
+            <a:extLst>
+              <a:ext uri="{FF2B5EF4-FFF2-40B4-BE49-F238E27FC236}">
+                <a16:creationId xmlns:a16="http://schemas.microsoft.com/office/drawing/2014/main" id="{19808F86-5ABE-642F-ECC2-FE976C2C0909}"/>
+              </a:ext>
+            </a:extLst>
+          </p:cNvPr>
+          <p:cNvSpPr>
+            <a:spLocks noGrp="1" noRot="1" noChangeAspect="1"/>
+          </p:cNvSpPr>
+          <p:nvPr>
+            <p:ph type="sldImg"/>
+          </p:nvPr>
+        </p:nvSpPr>
+        <p:spPr/>
+      </p:sp>
+      <p:sp>
+        <p:nvSpPr>
+          <p:cNvPr id="3" name="备注占位符 2">
+            <a:extLst>
+              <a:ext uri="{FF2B5EF4-FFF2-40B4-BE49-F238E27FC236}">
+                <a16:creationId xmlns:a16="http://schemas.microsoft.com/office/drawing/2014/main" id="{4768100B-C022-BE4C-8B25-4D55539E7AFD}"/>
+              </a:ext>
+            </a:extLst>
+          </p:cNvPr>
+          <p:cNvSpPr>
+            <a:spLocks noGrp="1"/>
+          </p:cNvSpPr>
+          <p:nvPr>
+            <p:ph type="body" idx="1"/>
+          </p:nvPr>
+        </p:nvSpPr>
+        <p:spPr/>
+        <p:txBody>
+          <a:bodyPr/>
+          <a:lstStyle/>
+          <a:p>
+            <a:endParaRPr lang="zh-CN" altLang="en-US" dirty="0"/>
+          </a:p>
+        </p:txBody>
+      </p:sp>
+      <p:sp>
+        <p:nvSpPr>
+          <p:cNvPr id="4" name="灯片编号占位符 3">
+            <a:extLst>
+              <a:ext uri="{FF2B5EF4-FFF2-40B4-BE49-F238E27FC236}">
+                <a16:creationId xmlns:a16="http://schemas.microsoft.com/office/drawing/2014/main" id="{74788797-D78B-1F3C-D51D-D55087862554}"/>
+              </a:ext>
+            </a:extLst>
+          </p:cNvPr>
+          <p:cNvSpPr>
+            <a:spLocks noGrp="1"/>
+          </p:cNvSpPr>
+          <p:nvPr>
+            <p:ph type="sldNum" sz="quarter" idx="5"/>
+          </p:nvPr>
+        </p:nvSpPr>
+        <p:spPr/>
+        <p:txBody>
+          <a:bodyPr/>
+          <a:lstStyle/>
+          <a:p>
+            <a:fld id="{F1CB8912-F0BA-4AD8-8415-DA1F26BCB09F}" type="slidenum">
+              <a:rPr lang="zh-CN" altLang="en-US" smtClean="0"/>
+              <a:t>13</a:t>
+            </a:fld>
+            <a:endParaRPr lang="zh-CN" altLang="en-US"/>
+          </a:p>
+        </p:txBody>
+      </p:sp>
+    </p:spTree>
+    <p:extLst>
+      <p:ext uri="{BB962C8B-B14F-4D97-AF65-F5344CB8AC3E}">
+        <p14:creationId xmlns:p14="http://schemas.microsoft.com/office/powerpoint/2010/main" val="3977366419"/>
+      </p:ext>
+    </p:extLst>
+  </p:cSld>
+  <p:clrMapOvr>
+    <a:masterClrMapping/>
+  </p:clrMapOvr>
+</p:notes>
+</file>
+
+<file path=ppt/notesSlides/notesSlide14.xml><?xml version="1.0" encoding="utf-8"?>
+<p:notes xmlns:a="http://schemas.openxmlformats.org/drawingml/2006/main" xmlns:r="http://schemas.openxmlformats.org/officeDocument/2006/relationships" xmlns:p="http://schemas.openxmlformats.org/presentationml/2006/main">
+  <p:cSld>
+    <p:spTree>
+      <p:nvGrpSpPr>
+        <p:cNvPr id="1" name="">
+          <a:extLst>
+            <a:ext uri="{FF2B5EF4-FFF2-40B4-BE49-F238E27FC236}">
+              <a16:creationId xmlns:a16="http://schemas.microsoft.com/office/drawing/2014/main" id="{689A4D06-998F-F969-6A6F-A13D9F6CE364}"/>
+            </a:ext>
+          </a:extLst>
+        </p:cNvPr>
+        <p:cNvGrpSpPr/>
+        <p:nvPr/>
+      </p:nvGrpSpPr>
+      <p:grpSpPr>
+        <a:xfrm>
+          <a:off x="0" y="0"/>
+          <a:ext cx="0" cy="0"/>
+          <a:chOff x="0" y="0"/>
+          <a:chExt cx="0" cy="0"/>
+        </a:xfrm>
+      </p:grpSpPr>
+      <p:sp>
+        <p:nvSpPr>
+          <p:cNvPr id="2" name="幻灯片图像占位符 1">
+            <a:extLst>
+              <a:ext uri="{FF2B5EF4-FFF2-40B4-BE49-F238E27FC236}">
+                <a16:creationId xmlns:a16="http://schemas.microsoft.com/office/drawing/2014/main" id="{CA5A2A89-9EA4-955B-522B-98979B879D78}"/>
+              </a:ext>
+            </a:extLst>
+          </p:cNvPr>
+          <p:cNvSpPr>
+            <a:spLocks noGrp="1" noRot="1" noChangeAspect="1"/>
+          </p:cNvSpPr>
+          <p:nvPr>
+            <p:ph type="sldImg"/>
+          </p:nvPr>
+        </p:nvSpPr>
+        <p:spPr/>
+      </p:sp>
+      <p:sp>
+        <p:nvSpPr>
+          <p:cNvPr id="3" name="备注占位符 2">
+            <a:extLst>
+              <a:ext uri="{FF2B5EF4-FFF2-40B4-BE49-F238E27FC236}">
+                <a16:creationId xmlns:a16="http://schemas.microsoft.com/office/drawing/2014/main" id="{EC830DE8-8086-DA61-EBC9-3242E966B492}"/>
+              </a:ext>
+            </a:extLst>
+          </p:cNvPr>
+          <p:cNvSpPr>
+            <a:spLocks noGrp="1"/>
+          </p:cNvSpPr>
+          <p:nvPr>
+            <p:ph type="body" idx="1"/>
+          </p:nvPr>
+        </p:nvSpPr>
+        <p:spPr/>
+        <p:txBody>
+          <a:bodyPr/>
+          <a:lstStyle/>
+          <a:p>
+            <a:endParaRPr lang="zh-CN" altLang="en-US" dirty="0"/>
+          </a:p>
+        </p:txBody>
+      </p:sp>
+      <p:sp>
+        <p:nvSpPr>
+          <p:cNvPr id="4" name="灯片编号占位符 3">
+            <a:extLst>
+              <a:ext uri="{FF2B5EF4-FFF2-40B4-BE49-F238E27FC236}">
+                <a16:creationId xmlns:a16="http://schemas.microsoft.com/office/drawing/2014/main" id="{4C08ECEE-C0CD-D111-7DA9-3876BE9D3982}"/>
+              </a:ext>
+            </a:extLst>
+          </p:cNvPr>
+          <p:cNvSpPr>
+            <a:spLocks noGrp="1"/>
+          </p:cNvSpPr>
+          <p:nvPr>
+            <p:ph type="sldNum" sz="quarter" idx="5"/>
+          </p:nvPr>
+        </p:nvSpPr>
+        <p:spPr/>
+        <p:txBody>
+          <a:bodyPr/>
+          <a:lstStyle/>
+          <a:p>
+            <a:fld id="{F1CB8912-F0BA-4AD8-8415-DA1F26BCB09F}" type="slidenum">
+              <a:rPr lang="zh-CN" altLang="en-US" smtClean="0"/>
+              <a:t>14</a:t>
+            </a:fld>
+            <a:endParaRPr lang="zh-CN" altLang="en-US"/>
+          </a:p>
+        </p:txBody>
+      </p:sp>
+    </p:spTree>
+    <p:extLst>
+      <p:ext uri="{BB962C8B-B14F-4D97-AF65-F5344CB8AC3E}">
+        <p14:creationId xmlns:p14="http://schemas.microsoft.com/office/powerpoint/2010/main" val="45529512"/>
       </p:ext>
     </p:extLst>
   </p:cSld>
@@ -6838,6 +7056,1772 @@
 </p:sld>
 </file>
 
+<file path=ppt/slides/slide13.xml><?xml version="1.0" encoding="utf-8"?>
+<p:sld xmlns:a="http://schemas.openxmlformats.org/drawingml/2006/main" xmlns:r="http://schemas.openxmlformats.org/officeDocument/2006/relationships" xmlns:p="http://schemas.openxmlformats.org/presentationml/2006/main">
+  <p:cSld>
+    <p:spTree>
+      <p:nvGrpSpPr>
+        <p:cNvPr id="1" name="">
+          <a:extLst>
+            <a:ext uri="{FF2B5EF4-FFF2-40B4-BE49-F238E27FC236}">
+              <a16:creationId xmlns:a16="http://schemas.microsoft.com/office/drawing/2014/main" id="{A0248F52-ECD9-423C-7BE6-8553FAF1367C}"/>
+            </a:ext>
+          </a:extLst>
+        </p:cNvPr>
+        <p:cNvGrpSpPr/>
+        <p:nvPr/>
+      </p:nvGrpSpPr>
+      <p:grpSpPr>
+        <a:xfrm>
+          <a:off x="0" y="0"/>
+          <a:ext cx="0" cy="0"/>
+          <a:chOff x="0" y="0"/>
+          <a:chExt cx="0" cy="0"/>
+        </a:xfrm>
+      </p:grpSpPr>
+      <p:grpSp>
+        <p:nvGrpSpPr>
+          <p:cNvPr id="21" name="组合 20">
+            <a:extLst>
+              <a:ext uri="{FF2B5EF4-FFF2-40B4-BE49-F238E27FC236}">
+                <a16:creationId xmlns:a16="http://schemas.microsoft.com/office/drawing/2014/main" id="{D97B7284-F694-8A57-8157-D2848067B3D3}"/>
+              </a:ext>
+            </a:extLst>
+          </p:cNvPr>
+          <p:cNvGrpSpPr/>
+          <p:nvPr/>
+        </p:nvGrpSpPr>
+        <p:grpSpPr>
+          <a:xfrm>
+            <a:off x="5270500" y="510493"/>
+            <a:ext cx="7561033" cy="380555"/>
+            <a:chOff x="6997699" y="510493"/>
+            <a:chExt cx="5794625" cy="380555"/>
+          </a:xfrm>
+        </p:grpSpPr>
+        <p:sp>
+          <p:nvSpPr>
+            <p:cNvPr id="22" name="任意多边形: 形状 21">
+              <a:extLst>
+                <a:ext uri="{FF2B5EF4-FFF2-40B4-BE49-F238E27FC236}">
+                  <a16:creationId xmlns:a16="http://schemas.microsoft.com/office/drawing/2014/main" id="{030C212D-9221-6BAC-776B-5F0167363079}"/>
+                </a:ext>
+              </a:extLst>
+            </p:cNvPr>
+            <p:cNvSpPr/>
+            <p:nvPr userDrawn="1"/>
+          </p:nvSpPr>
+          <p:spPr>
+            <a:xfrm flipH="1">
+              <a:off x="6997699" y="764493"/>
+              <a:ext cx="5376633" cy="126555"/>
+            </a:xfrm>
+            <a:custGeom>
+              <a:avLst/>
+              <a:gdLst>
+                <a:gd name="connsiteX0" fmla="*/ 7367523 w 7367523"/>
+                <a:gd name="connsiteY0" fmla="*/ 0 h 173416"/>
+                <a:gd name="connsiteX1" fmla="*/ 6374783 w 7367523"/>
+                <a:gd name="connsiteY1" fmla="*/ 0 h 173416"/>
+                <a:gd name="connsiteX2" fmla="*/ 6240349 w 7367523"/>
+                <a:gd name="connsiteY2" fmla="*/ 0 h 173416"/>
+                <a:gd name="connsiteX3" fmla="*/ 5540227 w 7367523"/>
+                <a:gd name="connsiteY3" fmla="*/ 0 h 173416"/>
+                <a:gd name="connsiteX4" fmla="*/ 5247612 w 7367523"/>
+                <a:gd name="connsiteY4" fmla="*/ 0 h 173416"/>
+                <a:gd name="connsiteX5" fmla="*/ 4707193 w 7367523"/>
+                <a:gd name="connsiteY5" fmla="*/ 0 h 173416"/>
+                <a:gd name="connsiteX6" fmla="*/ 4413053 w 7367523"/>
+                <a:gd name="connsiteY6" fmla="*/ 0 h 173416"/>
+                <a:gd name="connsiteX7" fmla="*/ 3865356 w 7367523"/>
+                <a:gd name="connsiteY7" fmla="*/ 0 h 173416"/>
+                <a:gd name="connsiteX8" fmla="*/ 3580019 w 7367523"/>
+                <a:gd name="connsiteY8" fmla="*/ 0 h 173416"/>
+                <a:gd name="connsiteX9" fmla="*/ 2872616 w 7367523"/>
+                <a:gd name="connsiteY9" fmla="*/ 0 h 173416"/>
+                <a:gd name="connsiteX10" fmla="*/ 2738183 w 7367523"/>
+                <a:gd name="connsiteY10" fmla="*/ 0 h 173416"/>
+                <a:gd name="connsiteX11" fmla="*/ 2038060 w 7367523"/>
+                <a:gd name="connsiteY11" fmla="*/ 0 h 173416"/>
+                <a:gd name="connsiteX12" fmla="*/ 1745445 w 7367523"/>
+                <a:gd name="connsiteY12" fmla="*/ 0 h 173416"/>
+                <a:gd name="connsiteX13" fmla="*/ 1205026 w 7367523"/>
+                <a:gd name="connsiteY13" fmla="*/ 0 h 173416"/>
+                <a:gd name="connsiteX14" fmla="*/ 910887 w 7367523"/>
+                <a:gd name="connsiteY14" fmla="*/ 0 h 173416"/>
+                <a:gd name="connsiteX15" fmla="*/ 77853 w 7367523"/>
+                <a:gd name="connsiteY15" fmla="*/ 0 h 173416"/>
+                <a:gd name="connsiteX16" fmla="*/ 0 w 7367523"/>
+                <a:gd name="connsiteY16" fmla="*/ 173416 h 173416"/>
+                <a:gd name="connsiteX17" fmla="*/ 7289670 w 7367523"/>
+                <a:gd name="connsiteY17" fmla="*/ 173416 h 173416"/>
+              </a:gdLst>
+              <a:ahLst/>
+              <a:cxnLst>
+                <a:cxn ang="0">
+                  <a:pos x="connsiteX0" y="connsiteY0"/>
+                </a:cxn>
+                <a:cxn ang="0">
+                  <a:pos x="connsiteX1" y="connsiteY1"/>
+                </a:cxn>
+                <a:cxn ang="0">
+                  <a:pos x="connsiteX2" y="connsiteY2"/>
+                </a:cxn>
+                <a:cxn ang="0">
+                  <a:pos x="connsiteX3" y="connsiteY3"/>
+                </a:cxn>
+                <a:cxn ang="0">
+                  <a:pos x="connsiteX4" y="connsiteY4"/>
+                </a:cxn>
+                <a:cxn ang="0">
+                  <a:pos x="connsiteX5" y="connsiteY5"/>
+                </a:cxn>
+                <a:cxn ang="0">
+                  <a:pos x="connsiteX6" y="connsiteY6"/>
+                </a:cxn>
+                <a:cxn ang="0">
+                  <a:pos x="connsiteX7" y="connsiteY7"/>
+                </a:cxn>
+                <a:cxn ang="0">
+                  <a:pos x="connsiteX8" y="connsiteY8"/>
+                </a:cxn>
+                <a:cxn ang="0">
+                  <a:pos x="connsiteX9" y="connsiteY9"/>
+                </a:cxn>
+                <a:cxn ang="0">
+                  <a:pos x="connsiteX10" y="connsiteY10"/>
+                </a:cxn>
+                <a:cxn ang="0">
+                  <a:pos x="connsiteX11" y="connsiteY11"/>
+                </a:cxn>
+                <a:cxn ang="0">
+                  <a:pos x="connsiteX12" y="connsiteY12"/>
+                </a:cxn>
+                <a:cxn ang="0">
+                  <a:pos x="connsiteX13" y="connsiteY13"/>
+                </a:cxn>
+                <a:cxn ang="0">
+                  <a:pos x="connsiteX14" y="connsiteY14"/>
+                </a:cxn>
+                <a:cxn ang="0">
+                  <a:pos x="connsiteX15" y="connsiteY15"/>
+                </a:cxn>
+                <a:cxn ang="0">
+                  <a:pos x="connsiteX16" y="connsiteY16"/>
+                </a:cxn>
+                <a:cxn ang="0">
+                  <a:pos x="connsiteX17" y="connsiteY17"/>
+                </a:cxn>
+              </a:cxnLst>
+              <a:rect l="l" t="t" r="r" b="b"/>
+              <a:pathLst>
+                <a:path w="7367523" h="173416">
+                  <a:moveTo>
+                    <a:pt x="7367523" y="0"/>
+                  </a:moveTo>
+                  <a:lnTo>
+                    <a:pt x="6374783" y="0"/>
+                  </a:lnTo>
+                  <a:lnTo>
+                    <a:pt x="6240349" y="0"/>
+                  </a:lnTo>
+                  <a:lnTo>
+                    <a:pt x="5540227" y="0"/>
+                  </a:lnTo>
+                  <a:lnTo>
+                    <a:pt x="5247612" y="0"/>
+                  </a:lnTo>
+                  <a:lnTo>
+                    <a:pt x="4707193" y="0"/>
+                  </a:lnTo>
+                  <a:lnTo>
+                    <a:pt x="4413053" y="0"/>
+                  </a:lnTo>
+                  <a:lnTo>
+                    <a:pt x="3865356" y="0"/>
+                  </a:lnTo>
+                  <a:lnTo>
+                    <a:pt x="3580019" y="0"/>
+                  </a:lnTo>
+                  <a:lnTo>
+                    <a:pt x="2872616" y="0"/>
+                  </a:lnTo>
+                  <a:lnTo>
+                    <a:pt x="2738183" y="0"/>
+                  </a:lnTo>
+                  <a:lnTo>
+                    <a:pt x="2038060" y="0"/>
+                  </a:lnTo>
+                  <a:lnTo>
+                    <a:pt x="1745445" y="0"/>
+                  </a:lnTo>
+                  <a:lnTo>
+                    <a:pt x="1205026" y="0"/>
+                  </a:lnTo>
+                  <a:lnTo>
+                    <a:pt x="910887" y="0"/>
+                  </a:lnTo>
+                  <a:lnTo>
+                    <a:pt x="77853" y="0"/>
+                  </a:lnTo>
+                  <a:lnTo>
+                    <a:pt x="0" y="173416"/>
+                  </a:lnTo>
+                  <a:lnTo>
+                    <a:pt x="7289670" y="173416"/>
+                  </a:lnTo>
+                  <a:close/>
+                </a:path>
+              </a:pathLst>
+            </a:custGeom>
+            <a:gradFill flip="none" rotWithShape="0">
+              <a:gsLst>
+                <a:gs pos="0">
+                  <a:srgbClr val="228AF2"/>
+                </a:gs>
+                <a:gs pos="94000">
+                  <a:srgbClr val="7F12B6"/>
+                </a:gs>
+              </a:gsLst>
+              <a:lin ang="2700000" scaled="1"/>
+              <a:tileRect/>
+            </a:gradFill>
+            <a:ln>
+              <a:noFill/>
+            </a:ln>
+          </p:spPr>
+          <p:style>
+            <a:lnRef idx="2">
+              <a:schemeClr val="accent1">
+                <a:shade val="50000"/>
+              </a:schemeClr>
+            </a:lnRef>
+            <a:fillRef idx="1">
+              <a:schemeClr val="accent1"/>
+            </a:fillRef>
+            <a:effectRef idx="0">
+              <a:schemeClr val="accent1"/>
+            </a:effectRef>
+            <a:fontRef idx="minor">
+              <a:schemeClr val="lt1"/>
+            </a:fontRef>
+          </p:style>
+          <p:txBody>
+            <a:bodyPr rot="0" spcFirstLastPara="0" vertOverflow="overflow" horzOverflow="overflow" vert="horz" wrap="square" lIns="91440" tIns="45720" rIns="91440" bIns="45720" numCol="1" spcCol="0" rtlCol="0" fromWordArt="0" anchor="ctr" anchorCtr="0" forceAA="0" compatLnSpc="1">
+              <a:noAutofit/>
+            </a:bodyPr>
+            <a:lstStyle/>
+            <a:p>
+              <a:pPr algn="ctr"/>
+              <a:endParaRPr lang="zh-CN" altLang="en-US"/>
+            </a:p>
+          </p:txBody>
+        </p:sp>
+        <p:sp>
+          <p:nvSpPr>
+            <p:cNvPr id="23" name="任意多边形: 形状 22">
+              <a:extLst>
+                <a:ext uri="{FF2B5EF4-FFF2-40B4-BE49-F238E27FC236}">
+                  <a16:creationId xmlns:a16="http://schemas.microsoft.com/office/drawing/2014/main" id="{A89EBD76-5694-A2D8-2701-6C86C6D742CF}"/>
+                </a:ext>
+              </a:extLst>
+            </p:cNvPr>
+            <p:cNvSpPr/>
+            <p:nvPr userDrawn="1"/>
+          </p:nvSpPr>
+          <p:spPr>
+            <a:xfrm flipH="1">
+              <a:off x="7415691" y="510493"/>
+              <a:ext cx="5376633" cy="126555"/>
+            </a:xfrm>
+            <a:custGeom>
+              <a:avLst/>
+              <a:gdLst>
+                <a:gd name="connsiteX0" fmla="*/ 7367523 w 7367523"/>
+                <a:gd name="connsiteY0" fmla="*/ 0 h 173416"/>
+                <a:gd name="connsiteX1" fmla="*/ 6374783 w 7367523"/>
+                <a:gd name="connsiteY1" fmla="*/ 0 h 173416"/>
+                <a:gd name="connsiteX2" fmla="*/ 6240349 w 7367523"/>
+                <a:gd name="connsiteY2" fmla="*/ 0 h 173416"/>
+                <a:gd name="connsiteX3" fmla="*/ 5540227 w 7367523"/>
+                <a:gd name="connsiteY3" fmla="*/ 0 h 173416"/>
+                <a:gd name="connsiteX4" fmla="*/ 5247612 w 7367523"/>
+                <a:gd name="connsiteY4" fmla="*/ 0 h 173416"/>
+                <a:gd name="connsiteX5" fmla="*/ 4707193 w 7367523"/>
+                <a:gd name="connsiteY5" fmla="*/ 0 h 173416"/>
+                <a:gd name="connsiteX6" fmla="*/ 4413053 w 7367523"/>
+                <a:gd name="connsiteY6" fmla="*/ 0 h 173416"/>
+                <a:gd name="connsiteX7" fmla="*/ 3865356 w 7367523"/>
+                <a:gd name="connsiteY7" fmla="*/ 0 h 173416"/>
+                <a:gd name="connsiteX8" fmla="*/ 3580019 w 7367523"/>
+                <a:gd name="connsiteY8" fmla="*/ 0 h 173416"/>
+                <a:gd name="connsiteX9" fmla="*/ 2872616 w 7367523"/>
+                <a:gd name="connsiteY9" fmla="*/ 0 h 173416"/>
+                <a:gd name="connsiteX10" fmla="*/ 2738183 w 7367523"/>
+                <a:gd name="connsiteY10" fmla="*/ 0 h 173416"/>
+                <a:gd name="connsiteX11" fmla="*/ 2038060 w 7367523"/>
+                <a:gd name="connsiteY11" fmla="*/ 0 h 173416"/>
+                <a:gd name="connsiteX12" fmla="*/ 1745445 w 7367523"/>
+                <a:gd name="connsiteY12" fmla="*/ 0 h 173416"/>
+                <a:gd name="connsiteX13" fmla="*/ 1205026 w 7367523"/>
+                <a:gd name="connsiteY13" fmla="*/ 0 h 173416"/>
+                <a:gd name="connsiteX14" fmla="*/ 910887 w 7367523"/>
+                <a:gd name="connsiteY14" fmla="*/ 0 h 173416"/>
+                <a:gd name="connsiteX15" fmla="*/ 77853 w 7367523"/>
+                <a:gd name="connsiteY15" fmla="*/ 0 h 173416"/>
+                <a:gd name="connsiteX16" fmla="*/ 0 w 7367523"/>
+                <a:gd name="connsiteY16" fmla="*/ 173416 h 173416"/>
+                <a:gd name="connsiteX17" fmla="*/ 7289670 w 7367523"/>
+                <a:gd name="connsiteY17" fmla="*/ 173416 h 173416"/>
+              </a:gdLst>
+              <a:ahLst/>
+              <a:cxnLst>
+                <a:cxn ang="0">
+                  <a:pos x="connsiteX0" y="connsiteY0"/>
+                </a:cxn>
+                <a:cxn ang="0">
+                  <a:pos x="connsiteX1" y="connsiteY1"/>
+                </a:cxn>
+                <a:cxn ang="0">
+                  <a:pos x="connsiteX2" y="connsiteY2"/>
+                </a:cxn>
+                <a:cxn ang="0">
+                  <a:pos x="connsiteX3" y="connsiteY3"/>
+                </a:cxn>
+                <a:cxn ang="0">
+                  <a:pos x="connsiteX4" y="connsiteY4"/>
+                </a:cxn>
+                <a:cxn ang="0">
+                  <a:pos x="connsiteX5" y="connsiteY5"/>
+                </a:cxn>
+                <a:cxn ang="0">
+                  <a:pos x="connsiteX6" y="connsiteY6"/>
+                </a:cxn>
+                <a:cxn ang="0">
+                  <a:pos x="connsiteX7" y="connsiteY7"/>
+                </a:cxn>
+                <a:cxn ang="0">
+                  <a:pos x="connsiteX8" y="connsiteY8"/>
+                </a:cxn>
+                <a:cxn ang="0">
+                  <a:pos x="connsiteX9" y="connsiteY9"/>
+                </a:cxn>
+                <a:cxn ang="0">
+                  <a:pos x="connsiteX10" y="connsiteY10"/>
+                </a:cxn>
+                <a:cxn ang="0">
+                  <a:pos x="connsiteX11" y="connsiteY11"/>
+                </a:cxn>
+                <a:cxn ang="0">
+                  <a:pos x="connsiteX12" y="connsiteY12"/>
+                </a:cxn>
+                <a:cxn ang="0">
+                  <a:pos x="connsiteX13" y="connsiteY13"/>
+                </a:cxn>
+                <a:cxn ang="0">
+                  <a:pos x="connsiteX14" y="connsiteY14"/>
+                </a:cxn>
+                <a:cxn ang="0">
+                  <a:pos x="connsiteX15" y="connsiteY15"/>
+                </a:cxn>
+                <a:cxn ang="0">
+                  <a:pos x="connsiteX16" y="connsiteY16"/>
+                </a:cxn>
+                <a:cxn ang="0">
+                  <a:pos x="connsiteX17" y="connsiteY17"/>
+                </a:cxn>
+              </a:cxnLst>
+              <a:rect l="l" t="t" r="r" b="b"/>
+              <a:pathLst>
+                <a:path w="7367523" h="173416">
+                  <a:moveTo>
+                    <a:pt x="7367523" y="0"/>
+                  </a:moveTo>
+                  <a:lnTo>
+                    <a:pt x="6374783" y="0"/>
+                  </a:lnTo>
+                  <a:lnTo>
+                    <a:pt x="6240349" y="0"/>
+                  </a:lnTo>
+                  <a:lnTo>
+                    <a:pt x="5540227" y="0"/>
+                  </a:lnTo>
+                  <a:lnTo>
+                    <a:pt x="5247612" y="0"/>
+                  </a:lnTo>
+                  <a:lnTo>
+                    <a:pt x="4707193" y="0"/>
+                  </a:lnTo>
+                  <a:lnTo>
+                    <a:pt x="4413053" y="0"/>
+                  </a:lnTo>
+                  <a:lnTo>
+                    <a:pt x="3865356" y="0"/>
+                  </a:lnTo>
+                  <a:lnTo>
+                    <a:pt x="3580019" y="0"/>
+                  </a:lnTo>
+                  <a:lnTo>
+                    <a:pt x="2872616" y="0"/>
+                  </a:lnTo>
+                  <a:lnTo>
+                    <a:pt x="2738183" y="0"/>
+                  </a:lnTo>
+                  <a:lnTo>
+                    <a:pt x="2038060" y="0"/>
+                  </a:lnTo>
+                  <a:lnTo>
+                    <a:pt x="1745445" y="0"/>
+                  </a:lnTo>
+                  <a:lnTo>
+                    <a:pt x="1205026" y="0"/>
+                  </a:lnTo>
+                  <a:lnTo>
+                    <a:pt x="910887" y="0"/>
+                  </a:lnTo>
+                  <a:lnTo>
+                    <a:pt x="77853" y="0"/>
+                  </a:lnTo>
+                  <a:lnTo>
+                    <a:pt x="0" y="173416"/>
+                  </a:lnTo>
+                  <a:lnTo>
+                    <a:pt x="7289670" y="173416"/>
+                  </a:lnTo>
+                  <a:close/>
+                </a:path>
+              </a:pathLst>
+            </a:custGeom>
+            <a:solidFill>
+              <a:schemeClr val="bg2"/>
+            </a:solidFill>
+            <a:ln>
+              <a:noFill/>
+            </a:ln>
+          </p:spPr>
+          <p:style>
+            <a:lnRef idx="2">
+              <a:schemeClr val="accent1">
+                <a:shade val="50000"/>
+              </a:schemeClr>
+            </a:lnRef>
+            <a:fillRef idx="1">
+              <a:schemeClr val="accent1"/>
+            </a:fillRef>
+            <a:effectRef idx="0">
+              <a:schemeClr val="accent1"/>
+            </a:effectRef>
+            <a:fontRef idx="minor">
+              <a:schemeClr val="lt1"/>
+            </a:fontRef>
+          </p:style>
+          <p:txBody>
+            <a:bodyPr rot="0" spcFirstLastPara="0" vertOverflow="overflow" horzOverflow="overflow" vert="horz" wrap="square" lIns="91440" tIns="45720" rIns="91440" bIns="45720" numCol="1" spcCol="0" rtlCol="0" fromWordArt="0" anchor="ctr" anchorCtr="0" forceAA="0" compatLnSpc="1">
+              <a:noAutofit/>
+            </a:bodyPr>
+            <a:lstStyle/>
+            <a:p>
+              <a:pPr algn="ctr"/>
+              <a:endParaRPr lang="zh-CN" altLang="en-US"/>
+            </a:p>
+          </p:txBody>
+        </p:sp>
+      </p:grpSp>
+      <p:sp>
+        <p:nvSpPr>
+          <p:cNvPr id="24" name="任意多边形: 形状 23">
+            <a:extLst>
+              <a:ext uri="{FF2B5EF4-FFF2-40B4-BE49-F238E27FC236}">
+                <a16:creationId xmlns:a16="http://schemas.microsoft.com/office/drawing/2014/main" id="{222EF203-B3A6-EAA6-2642-828B643A717C}"/>
+              </a:ext>
+            </a:extLst>
+          </p:cNvPr>
+          <p:cNvSpPr/>
+          <p:nvPr/>
+        </p:nvSpPr>
+        <p:spPr>
+          <a:xfrm flipH="1">
+            <a:off x="129621" y="0"/>
+            <a:ext cx="586522" cy="1047087"/>
+          </a:xfrm>
+          <a:custGeom>
+            <a:avLst/>
+            <a:gdLst>
+              <a:gd name="connsiteX0" fmla="*/ 586522 w 586522"/>
+              <a:gd name="connsiteY0" fmla="*/ 0 h 1047087"/>
+              <a:gd name="connsiteX1" fmla="*/ 470079 w 586522"/>
+              <a:gd name="connsiteY1" fmla="*/ 0 h 1047087"/>
+              <a:gd name="connsiteX2" fmla="*/ 0 w 586522"/>
+              <a:gd name="connsiteY2" fmla="*/ 1047087 h 1047087"/>
+              <a:gd name="connsiteX3" fmla="*/ 116443 w 586522"/>
+              <a:gd name="connsiteY3" fmla="*/ 1047087 h 1047087"/>
+            </a:gdLst>
+            <a:ahLst/>
+            <a:cxnLst>
+              <a:cxn ang="0">
+                <a:pos x="connsiteX0" y="connsiteY0"/>
+              </a:cxn>
+              <a:cxn ang="0">
+                <a:pos x="connsiteX1" y="connsiteY1"/>
+              </a:cxn>
+              <a:cxn ang="0">
+                <a:pos x="connsiteX2" y="connsiteY2"/>
+              </a:cxn>
+              <a:cxn ang="0">
+                <a:pos x="connsiteX3" y="connsiteY3"/>
+              </a:cxn>
+            </a:cxnLst>
+            <a:rect l="l" t="t" r="r" b="b"/>
+            <a:pathLst>
+              <a:path w="586522" h="1047087">
+                <a:moveTo>
+                  <a:pt x="586522" y="0"/>
+                </a:moveTo>
+                <a:lnTo>
+                  <a:pt x="470079" y="0"/>
+                </a:lnTo>
+                <a:lnTo>
+                  <a:pt x="0" y="1047087"/>
+                </a:lnTo>
+                <a:lnTo>
+                  <a:pt x="116443" y="1047087"/>
+                </a:lnTo>
+                <a:close/>
+              </a:path>
+            </a:pathLst>
+          </a:custGeom>
+          <a:gradFill flip="none" rotWithShape="0">
+            <a:gsLst>
+              <a:gs pos="0">
+                <a:srgbClr val="53A5F5">
+                  <a:lumMod val="73000"/>
+                  <a:lumOff val="27000"/>
+                </a:srgbClr>
+              </a:gs>
+              <a:gs pos="94000">
+                <a:srgbClr val="9214CF">
+                  <a:lumMod val="73000"/>
+                  <a:lumOff val="27000"/>
+                </a:srgbClr>
+              </a:gs>
+            </a:gsLst>
+            <a:lin ang="2700000" scaled="1"/>
+            <a:tileRect/>
+          </a:gradFill>
+          <a:ln>
+            <a:noFill/>
+          </a:ln>
+        </p:spPr>
+        <p:style>
+          <a:lnRef idx="2">
+            <a:schemeClr val="accent1">
+              <a:shade val="50000"/>
+            </a:schemeClr>
+          </a:lnRef>
+          <a:fillRef idx="1">
+            <a:schemeClr val="accent1"/>
+          </a:fillRef>
+          <a:effectRef idx="0">
+            <a:schemeClr val="accent1"/>
+          </a:effectRef>
+          <a:fontRef idx="minor">
+            <a:schemeClr val="lt1"/>
+          </a:fontRef>
+        </p:style>
+        <p:txBody>
+          <a:bodyPr rot="0" spcFirstLastPara="0" vertOverflow="overflow" horzOverflow="overflow" vert="horz" wrap="square" lIns="91440" tIns="45720" rIns="91440" bIns="45720" numCol="1" spcCol="0" rtlCol="0" fromWordArt="0" anchor="ctr" anchorCtr="0" forceAA="0" compatLnSpc="1">
+            <a:noAutofit/>
+          </a:bodyPr>
+          <a:lstStyle/>
+          <a:p>
+            <a:pPr algn="ctr"/>
+            <a:endParaRPr lang="zh-CN" altLang="en-US"/>
+          </a:p>
+        </p:txBody>
+      </p:sp>
+      <p:sp>
+        <p:nvSpPr>
+          <p:cNvPr id="25" name="任意多边形: 形状 24">
+            <a:extLst>
+              <a:ext uri="{FF2B5EF4-FFF2-40B4-BE49-F238E27FC236}">
+                <a16:creationId xmlns:a16="http://schemas.microsoft.com/office/drawing/2014/main" id="{19ADA4FB-29D8-17CE-8DFE-21F31064F453}"/>
+              </a:ext>
+            </a:extLst>
+          </p:cNvPr>
+          <p:cNvSpPr/>
+          <p:nvPr/>
+        </p:nvSpPr>
+        <p:spPr>
+          <a:xfrm flipH="1">
+            <a:off x="581108" y="202981"/>
+            <a:ext cx="344503" cy="615023"/>
+          </a:xfrm>
+          <a:custGeom>
+            <a:avLst/>
+            <a:gdLst>
+              <a:gd name="connsiteX0" fmla="*/ 586522 w 586522"/>
+              <a:gd name="connsiteY0" fmla="*/ 0 h 1047087"/>
+              <a:gd name="connsiteX1" fmla="*/ 470079 w 586522"/>
+              <a:gd name="connsiteY1" fmla="*/ 0 h 1047087"/>
+              <a:gd name="connsiteX2" fmla="*/ 0 w 586522"/>
+              <a:gd name="connsiteY2" fmla="*/ 1047087 h 1047087"/>
+              <a:gd name="connsiteX3" fmla="*/ 116443 w 586522"/>
+              <a:gd name="connsiteY3" fmla="*/ 1047087 h 1047087"/>
+            </a:gdLst>
+            <a:ahLst/>
+            <a:cxnLst>
+              <a:cxn ang="0">
+                <a:pos x="connsiteX0" y="connsiteY0"/>
+              </a:cxn>
+              <a:cxn ang="0">
+                <a:pos x="connsiteX1" y="connsiteY1"/>
+              </a:cxn>
+              <a:cxn ang="0">
+                <a:pos x="connsiteX2" y="connsiteY2"/>
+              </a:cxn>
+              <a:cxn ang="0">
+                <a:pos x="connsiteX3" y="connsiteY3"/>
+              </a:cxn>
+            </a:cxnLst>
+            <a:rect l="l" t="t" r="r" b="b"/>
+            <a:pathLst>
+              <a:path w="586522" h="1047087">
+                <a:moveTo>
+                  <a:pt x="586522" y="0"/>
+                </a:moveTo>
+                <a:lnTo>
+                  <a:pt x="470079" y="0"/>
+                </a:lnTo>
+                <a:lnTo>
+                  <a:pt x="0" y="1047087"/>
+                </a:lnTo>
+                <a:lnTo>
+                  <a:pt x="116443" y="1047087"/>
+                </a:lnTo>
+                <a:close/>
+              </a:path>
+            </a:pathLst>
+          </a:custGeom>
+          <a:solidFill>
+            <a:schemeClr val="bg1">
+              <a:lumMod val="95000"/>
+            </a:schemeClr>
+          </a:solidFill>
+          <a:ln>
+            <a:noFill/>
+          </a:ln>
+        </p:spPr>
+        <p:style>
+          <a:lnRef idx="2">
+            <a:schemeClr val="accent1">
+              <a:shade val="50000"/>
+            </a:schemeClr>
+          </a:lnRef>
+          <a:fillRef idx="1">
+            <a:schemeClr val="accent1"/>
+          </a:fillRef>
+          <a:effectRef idx="0">
+            <a:schemeClr val="accent1"/>
+          </a:effectRef>
+          <a:fontRef idx="minor">
+            <a:schemeClr val="lt1"/>
+          </a:fontRef>
+        </p:style>
+        <p:txBody>
+          <a:bodyPr rot="0" spcFirstLastPara="0" vertOverflow="overflow" horzOverflow="overflow" vert="horz" wrap="square" lIns="91440" tIns="45720" rIns="91440" bIns="45720" numCol="1" spcCol="0" rtlCol="0" fromWordArt="0" anchor="ctr" anchorCtr="0" forceAA="0" compatLnSpc="1">
+            <a:noAutofit/>
+          </a:bodyPr>
+          <a:lstStyle/>
+          <a:p>
+            <a:pPr algn="ctr"/>
+            <a:endParaRPr lang="zh-CN" altLang="en-US"/>
+          </a:p>
+        </p:txBody>
+      </p:sp>
+      <p:sp>
+        <p:nvSpPr>
+          <p:cNvPr id="6" name="文本框 5">
+            <a:extLst>
+              <a:ext uri="{FF2B5EF4-FFF2-40B4-BE49-F238E27FC236}">
+                <a16:creationId xmlns:a16="http://schemas.microsoft.com/office/drawing/2014/main" id="{5F72670B-D8AF-7A95-C549-1AEAB25B4D0D}"/>
+              </a:ext>
+            </a:extLst>
+          </p:cNvPr>
+          <p:cNvSpPr txBox="1"/>
+          <p:nvPr/>
+        </p:nvSpPr>
+        <p:spPr>
+          <a:xfrm>
+            <a:off x="325741" y="1250068"/>
+            <a:ext cx="11540518" cy="2246769"/>
+          </a:xfrm>
+          <a:prstGeom prst="rect">
+            <a:avLst/>
+          </a:prstGeom>
+          <a:noFill/>
+        </p:spPr>
+        <p:txBody>
+          <a:bodyPr wrap="square" rtlCol="0">
+            <a:spAutoFit/>
+          </a:bodyPr>
+          <a:lstStyle/>
+          <a:p>
+            <a:pPr marL="457200" indent="-457200">
+              <a:buAutoNum type="arabicPeriod"/>
+            </a:pPr>
+            <a:r>
+              <a:rPr lang="zh-CN" altLang="en-US" sz="2000">
+                <a:highlight>
+                  <a:srgbClr val="FFFFFF"/>
+                </a:highlight>
+                <a:latin typeface="-apple-system"/>
+              </a:rPr>
+              <a:t>智能手表提供的感知振动特性（例如强度、频率、类型、持续时间）与方向线索是否存在映射以及如何映射。</a:t>
+            </a:r>
+            <a:endParaRPr lang="en-US" altLang="zh-CN" sz="2000">
+              <a:highlight>
+                <a:srgbClr val="FFFFFF"/>
+              </a:highlight>
+              <a:latin typeface="-apple-system"/>
+            </a:endParaRPr>
+          </a:p>
+          <a:p>
+            <a:pPr marL="457200" indent="-457200">
+              <a:buAutoNum type="arabicPeriod"/>
+            </a:pPr>
+            <a:r>
+              <a:rPr lang="zh-CN" altLang="en-US" sz="2000">
+                <a:highlight>
+                  <a:srgbClr val="FFFFFF"/>
+                </a:highlight>
+                <a:latin typeface="-apple-system"/>
+              </a:rPr>
+              <a:t>用户是否有能力快速学习并记住振动特性和方向之间的映射。</a:t>
+            </a:r>
+            <a:endParaRPr lang="en-US" altLang="zh-CN" sz="2000">
+              <a:highlight>
+                <a:srgbClr val="FFFFFF"/>
+              </a:highlight>
+              <a:latin typeface="-apple-system"/>
+            </a:endParaRPr>
+          </a:p>
+          <a:p>
+            <a:pPr marL="457200" indent="-457200">
+              <a:buAutoNum type="arabicPeriod"/>
+            </a:pPr>
+            <a:r>
+              <a:rPr lang="zh-CN" altLang="en-US" sz="2000">
+                <a:highlight>
+                  <a:srgbClr val="FFFFFF"/>
+                </a:highlight>
+                <a:latin typeface="-apple-system"/>
+              </a:rPr>
+              <a:t>过多或不准确的反馈可能会干扰用户的感知和行动。应仔细设计反馈相关的因素和参数来缓解这种限制。</a:t>
+            </a:r>
+            <a:endParaRPr lang="en-US" altLang="zh-CN" sz="2000">
+              <a:highlight>
+                <a:srgbClr val="FFFFFF"/>
+              </a:highlight>
+              <a:latin typeface="-apple-system"/>
+            </a:endParaRPr>
+          </a:p>
+          <a:p>
+            <a:pPr marL="457200" indent="-457200">
+              <a:buAutoNum type="arabicPeriod"/>
+            </a:pPr>
+            <a:r>
+              <a:rPr lang="zh-CN" altLang="en-US" sz="2000">
+                <a:highlight>
+                  <a:srgbClr val="FFFFFF"/>
+                </a:highlight>
+                <a:latin typeface="-apple-system"/>
+              </a:rPr>
+              <a:t>智能手表的触觉反馈在导航方面的性能也尚未得到充分探索。</a:t>
+            </a:r>
+            <a:endParaRPr lang="en-US" altLang="zh-CN" sz="2000">
+              <a:highlight>
+                <a:srgbClr val="FFFFFF"/>
+              </a:highlight>
+              <a:latin typeface="-apple-system"/>
+            </a:endParaRPr>
+          </a:p>
+          <a:p>
+            <a:pPr marL="457200" indent="-457200">
+              <a:buAutoNum type="arabicPeriod"/>
+            </a:pPr>
+            <a:endParaRPr lang="en-US" altLang="zh-CN" sz="2000">
+              <a:highlight>
+                <a:srgbClr val="FFFFFF"/>
+              </a:highlight>
+              <a:latin typeface="-apple-system"/>
+            </a:endParaRPr>
+          </a:p>
+        </p:txBody>
+      </p:sp>
+      <p:sp>
+        <p:nvSpPr>
+          <p:cNvPr id="2" name="文本框 1">
+            <a:extLst>
+              <a:ext uri="{FF2B5EF4-FFF2-40B4-BE49-F238E27FC236}">
+                <a16:creationId xmlns:a16="http://schemas.microsoft.com/office/drawing/2014/main" id="{380B152F-E36B-2D7B-412A-6BEE9D4FC1B0}"/>
+              </a:ext>
+            </a:extLst>
+          </p:cNvPr>
+          <p:cNvSpPr txBox="1"/>
+          <p:nvPr/>
+        </p:nvSpPr>
+        <p:spPr bwMode="auto">
+          <a:xfrm>
+            <a:off x="716144" y="325776"/>
+            <a:ext cx="1629024" cy="523220"/>
+          </a:xfrm>
+          <a:prstGeom prst="rect">
+            <a:avLst/>
+          </a:prstGeom>
+          <a:noFill/>
+        </p:spPr>
+        <p:txBody>
+          <a:bodyPr wrap="square">
+            <a:spAutoFit/>
+            <a:scene3d>
+              <a:camera prst="orthographicFront"/>
+              <a:lightRig rig="threePt" dir="t"/>
+            </a:scene3d>
+            <a:sp3d contourW="12700"/>
+          </a:bodyPr>
+          <a:lstStyle/>
+          <a:p>
+            <a:pPr>
+              <a:defRPr/>
+            </a:pPr>
+            <a:r>
+              <a:rPr lang="zh-CN" altLang="en-US" sz="2800" b="1">
+                <a:solidFill>
+                  <a:srgbClr val="7F12B6"/>
+                </a:solidFill>
+                <a:latin typeface="时尚中黑简体" panose="01010104010101010101" pitchFamily="2" charset="-122"/>
+                <a:ea typeface="时尚中黑简体" panose="01010104010101010101" pitchFamily="2" charset="-122"/>
+              </a:rPr>
+              <a:t>挑战</a:t>
+            </a:r>
+            <a:endParaRPr lang="en-US" altLang="zh-CN" sz="2800" b="1" dirty="0">
+              <a:solidFill>
+                <a:srgbClr val="7F12B6"/>
+              </a:solidFill>
+              <a:latin typeface="时尚中黑简体" panose="01010104010101010101" pitchFamily="2" charset="-122"/>
+              <a:ea typeface="时尚中黑简体" panose="01010104010101010101" pitchFamily="2" charset="-122"/>
+            </a:endParaRPr>
+          </a:p>
+        </p:txBody>
+      </p:sp>
+    </p:spTree>
+    <p:extLst>
+      <p:ext uri="{BB962C8B-B14F-4D97-AF65-F5344CB8AC3E}">
+        <p14:creationId xmlns:p14="http://schemas.microsoft.com/office/powerpoint/2010/main" val="1015704965"/>
+      </p:ext>
+    </p:extLst>
+  </p:cSld>
+  <p:clrMapOvr>
+    <a:masterClrMapping/>
+  </p:clrMapOvr>
+  <mc:AlternateContent xmlns:mc="http://schemas.openxmlformats.org/markup-compatibility/2006" xmlns:p14="http://schemas.microsoft.com/office/powerpoint/2010/main">
+    <mc:Choice Requires="p14">
+      <p:transition spd="slow" p14:dur="1500" advTm="0">
+        <p:random/>
+      </p:transition>
+    </mc:Choice>
+    <mc:Fallback xmlns="">
+      <p:transition spd="slow" advTm="0">
+        <p:random/>
+      </p:transition>
+    </mc:Fallback>
+  </mc:AlternateContent>
+</p:sld>
+</file>
+
+<file path=ppt/slides/slide14.xml><?xml version="1.0" encoding="utf-8"?>
+<p:sld xmlns:a="http://schemas.openxmlformats.org/drawingml/2006/main" xmlns:r="http://schemas.openxmlformats.org/officeDocument/2006/relationships" xmlns:p="http://schemas.openxmlformats.org/presentationml/2006/main">
+  <p:cSld>
+    <p:spTree>
+      <p:nvGrpSpPr>
+        <p:cNvPr id="1" name="">
+          <a:extLst>
+            <a:ext uri="{FF2B5EF4-FFF2-40B4-BE49-F238E27FC236}">
+              <a16:creationId xmlns:a16="http://schemas.microsoft.com/office/drawing/2014/main" id="{4C5E8466-10CA-168F-E0D3-FE3B4AA9E6B0}"/>
+            </a:ext>
+          </a:extLst>
+        </p:cNvPr>
+        <p:cNvGrpSpPr/>
+        <p:nvPr/>
+      </p:nvGrpSpPr>
+      <p:grpSpPr>
+        <a:xfrm>
+          <a:off x="0" y="0"/>
+          <a:ext cx="0" cy="0"/>
+          <a:chOff x="0" y="0"/>
+          <a:chExt cx="0" cy="0"/>
+        </a:xfrm>
+      </p:grpSpPr>
+      <p:grpSp>
+        <p:nvGrpSpPr>
+          <p:cNvPr id="21" name="组合 20">
+            <a:extLst>
+              <a:ext uri="{FF2B5EF4-FFF2-40B4-BE49-F238E27FC236}">
+                <a16:creationId xmlns:a16="http://schemas.microsoft.com/office/drawing/2014/main" id="{EFF8722B-693C-8EF2-1E12-C89C847258D4}"/>
+              </a:ext>
+            </a:extLst>
+          </p:cNvPr>
+          <p:cNvGrpSpPr/>
+          <p:nvPr/>
+        </p:nvGrpSpPr>
+        <p:grpSpPr>
+          <a:xfrm>
+            <a:off x="5270500" y="510493"/>
+            <a:ext cx="7561033" cy="380555"/>
+            <a:chOff x="6997699" y="510493"/>
+            <a:chExt cx="5794625" cy="380555"/>
+          </a:xfrm>
+        </p:grpSpPr>
+        <p:sp>
+          <p:nvSpPr>
+            <p:cNvPr id="22" name="任意多边形: 形状 21">
+              <a:extLst>
+                <a:ext uri="{FF2B5EF4-FFF2-40B4-BE49-F238E27FC236}">
+                  <a16:creationId xmlns:a16="http://schemas.microsoft.com/office/drawing/2014/main" id="{96A204EE-A0E4-BA46-8344-FEE9810C5DB7}"/>
+                </a:ext>
+              </a:extLst>
+            </p:cNvPr>
+            <p:cNvSpPr/>
+            <p:nvPr userDrawn="1"/>
+          </p:nvSpPr>
+          <p:spPr>
+            <a:xfrm flipH="1">
+              <a:off x="6997699" y="764493"/>
+              <a:ext cx="5376633" cy="126555"/>
+            </a:xfrm>
+            <a:custGeom>
+              <a:avLst/>
+              <a:gdLst>
+                <a:gd name="connsiteX0" fmla="*/ 7367523 w 7367523"/>
+                <a:gd name="connsiteY0" fmla="*/ 0 h 173416"/>
+                <a:gd name="connsiteX1" fmla="*/ 6374783 w 7367523"/>
+                <a:gd name="connsiteY1" fmla="*/ 0 h 173416"/>
+                <a:gd name="connsiteX2" fmla="*/ 6240349 w 7367523"/>
+                <a:gd name="connsiteY2" fmla="*/ 0 h 173416"/>
+                <a:gd name="connsiteX3" fmla="*/ 5540227 w 7367523"/>
+                <a:gd name="connsiteY3" fmla="*/ 0 h 173416"/>
+                <a:gd name="connsiteX4" fmla="*/ 5247612 w 7367523"/>
+                <a:gd name="connsiteY4" fmla="*/ 0 h 173416"/>
+                <a:gd name="connsiteX5" fmla="*/ 4707193 w 7367523"/>
+                <a:gd name="connsiteY5" fmla="*/ 0 h 173416"/>
+                <a:gd name="connsiteX6" fmla="*/ 4413053 w 7367523"/>
+                <a:gd name="connsiteY6" fmla="*/ 0 h 173416"/>
+                <a:gd name="connsiteX7" fmla="*/ 3865356 w 7367523"/>
+                <a:gd name="connsiteY7" fmla="*/ 0 h 173416"/>
+                <a:gd name="connsiteX8" fmla="*/ 3580019 w 7367523"/>
+                <a:gd name="connsiteY8" fmla="*/ 0 h 173416"/>
+                <a:gd name="connsiteX9" fmla="*/ 2872616 w 7367523"/>
+                <a:gd name="connsiteY9" fmla="*/ 0 h 173416"/>
+                <a:gd name="connsiteX10" fmla="*/ 2738183 w 7367523"/>
+                <a:gd name="connsiteY10" fmla="*/ 0 h 173416"/>
+                <a:gd name="connsiteX11" fmla="*/ 2038060 w 7367523"/>
+                <a:gd name="connsiteY11" fmla="*/ 0 h 173416"/>
+                <a:gd name="connsiteX12" fmla="*/ 1745445 w 7367523"/>
+                <a:gd name="connsiteY12" fmla="*/ 0 h 173416"/>
+                <a:gd name="connsiteX13" fmla="*/ 1205026 w 7367523"/>
+                <a:gd name="connsiteY13" fmla="*/ 0 h 173416"/>
+                <a:gd name="connsiteX14" fmla="*/ 910887 w 7367523"/>
+                <a:gd name="connsiteY14" fmla="*/ 0 h 173416"/>
+                <a:gd name="connsiteX15" fmla="*/ 77853 w 7367523"/>
+                <a:gd name="connsiteY15" fmla="*/ 0 h 173416"/>
+                <a:gd name="connsiteX16" fmla="*/ 0 w 7367523"/>
+                <a:gd name="connsiteY16" fmla="*/ 173416 h 173416"/>
+                <a:gd name="connsiteX17" fmla="*/ 7289670 w 7367523"/>
+                <a:gd name="connsiteY17" fmla="*/ 173416 h 173416"/>
+              </a:gdLst>
+              <a:ahLst/>
+              <a:cxnLst>
+                <a:cxn ang="0">
+                  <a:pos x="connsiteX0" y="connsiteY0"/>
+                </a:cxn>
+                <a:cxn ang="0">
+                  <a:pos x="connsiteX1" y="connsiteY1"/>
+                </a:cxn>
+                <a:cxn ang="0">
+                  <a:pos x="connsiteX2" y="connsiteY2"/>
+                </a:cxn>
+                <a:cxn ang="0">
+                  <a:pos x="connsiteX3" y="connsiteY3"/>
+                </a:cxn>
+                <a:cxn ang="0">
+                  <a:pos x="connsiteX4" y="connsiteY4"/>
+                </a:cxn>
+                <a:cxn ang="0">
+                  <a:pos x="connsiteX5" y="connsiteY5"/>
+                </a:cxn>
+                <a:cxn ang="0">
+                  <a:pos x="connsiteX6" y="connsiteY6"/>
+                </a:cxn>
+                <a:cxn ang="0">
+                  <a:pos x="connsiteX7" y="connsiteY7"/>
+                </a:cxn>
+                <a:cxn ang="0">
+                  <a:pos x="connsiteX8" y="connsiteY8"/>
+                </a:cxn>
+                <a:cxn ang="0">
+                  <a:pos x="connsiteX9" y="connsiteY9"/>
+                </a:cxn>
+                <a:cxn ang="0">
+                  <a:pos x="connsiteX10" y="connsiteY10"/>
+                </a:cxn>
+                <a:cxn ang="0">
+                  <a:pos x="connsiteX11" y="connsiteY11"/>
+                </a:cxn>
+                <a:cxn ang="0">
+                  <a:pos x="connsiteX12" y="connsiteY12"/>
+                </a:cxn>
+                <a:cxn ang="0">
+                  <a:pos x="connsiteX13" y="connsiteY13"/>
+                </a:cxn>
+                <a:cxn ang="0">
+                  <a:pos x="connsiteX14" y="connsiteY14"/>
+                </a:cxn>
+                <a:cxn ang="0">
+                  <a:pos x="connsiteX15" y="connsiteY15"/>
+                </a:cxn>
+                <a:cxn ang="0">
+                  <a:pos x="connsiteX16" y="connsiteY16"/>
+                </a:cxn>
+                <a:cxn ang="0">
+                  <a:pos x="connsiteX17" y="connsiteY17"/>
+                </a:cxn>
+              </a:cxnLst>
+              <a:rect l="l" t="t" r="r" b="b"/>
+              <a:pathLst>
+                <a:path w="7367523" h="173416">
+                  <a:moveTo>
+                    <a:pt x="7367523" y="0"/>
+                  </a:moveTo>
+                  <a:lnTo>
+                    <a:pt x="6374783" y="0"/>
+                  </a:lnTo>
+                  <a:lnTo>
+                    <a:pt x="6240349" y="0"/>
+                  </a:lnTo>
+                  <a:lnTo>
+                    <a:pt x="5540227" y="0"/>
+                  </a:lnTo>
+                  <a:lnTo>
+                    <a:pt x="5247612" y="0"/>
+                  </a:lnTo>
+                  <a:lnTo>
+                    <a:pt x="4707193" y="0"/>
+                  </a:lnTo>
+                  <a:lnTo>
+                    <a:pt x="4413053" y="0"/>
+                  </a:lnTo>
+                  <a:lnTo>
+                    <a:pt x="3865356" y="0"/>
+                  </a:lnTo>
+                  <a:lnTo>
+                    <a:pt x="3580019" y="0"/>
+                  </a:lnTo>
+                  <a:lnTo>
+                    <a:pt x="2872616" y="0"/>
+                  </a:lnTo>
+                  <a:lnTo>
+                    <a:pt x="2738183" y="0"/>
+                  </a:lnTo>
+                  <a:lnTo>
+                    <a:pt x="2038060" y="0"/>
+                  </a:lnTo>
+                  <a:lnTo>
+                    <a:pt x="1745445" y="0"/>
+                  </a:lnTo>
+                  <a:lnTo>
+                    <a:pt x="1205026" y="0"/>
+                  </a:lnTo>
+                  <a:lnTo>
+                    <a:pt x="910887" y="0"/>
+                  </a:lnTo>
+                  <a:lnTo>
+                    <a:pt x="77853" y="0"/>
+                  </a:lnTo>
+                  <a:lnTo>
+                    <a:pt x="0" y="173416"/>
+                  </a:lnTo>
+                  <a:lnTo>
+                    <a:pt x="7289670" y="173416"/>
+                  </a:lnTo>
+                  <a:close/>
+                </a:path>
+              </a:pathLst>
+            </a:custGeom>
+            <a:gradFill flip="none" rotWithShape="0">
+              <a:gsLst>
+                <a:gs pos="0">
+                  <a:srgbClr val="228AF2"/>
+                </a:gs>
+                <a:gs pos="94000">
+                  <a:srgbClr val="7F12B6"/>
+                </a:gs>
+              </a:gsLst>
+              <a:lin ang="2700000" scaled="1"/>
+              <a:tileRect/>
+            </a:gradFill>
+            <a:ln>
+              <a:noFill/>
+            </a:ln>
+          </p:spPr>
+          <p:style>
+            <a:lnRef idx="2">
+              <a:schemeClr val="accent1">
+                <a:shade val="50000"/>
+              </a:schemeClr>
+            </a:lnRef>
+            <a:fillRef idx="1">
+              <a:schemeClr val="accent1"/>
+            </a:fillRef>
+            <a:effectRef idx="0">
+              <a:schemeClr val="accent1"/>
+            </a:effectRef>
+            <a:fontRef idx="minor">
+              <a:schemeClr val="lt1"/>
+            </a:fontRef>
+          </p:style>
+          <p:txBody>
+            <a:bodyPr rot="0" spcFirstLastPara="0" vertOverflow="overflow" horzOverflow="overflow" vert="horz" wrap="square" lIns="91440" tIns="45720" rIns="91440" bIns="45720" numCol="1" spcCol="0" rtlCol="0" fromWordArt="0" anchor="ctr" anchorCtr="0" forceAA="0" compatLnSpc="1">
+              <a:noAutofit/>
+            </a:bodyPr>
+            <a:lstStyle/>
+            <a:p>
+              <a:pPr algn="ctr"/>
+              <a:endParaRPr lang="zh-CN" altLang="en-US"/>
+            </a:p>
+          </p:txBody>
+        </p:sp>
+        <p:sp>
+          <p:nvSpPr>
+            <p:cNvPr id="23" name="任意多边形: 形状 22">
+              <a:extLst>
+                <a:ext uri="{FF2B5EF4-FFF2-40B4-BE49-F238E27FC236}">
+                  <a16:creationId xmlns:a16="http://schemas.microsoft.com/office/drawing/2014/main" id="{DFCF5417-8DD4-A984-29D4-B9931B6EB85C}"/>
+                </a:ext>
+              </a:extLst>
+            </p:cNvPr>
+            <p:cNvSpPr/>
+            <p:nvPr userDrawn="1"/>
+          </p:nvSpPr>
+          <p:spPr>
+            <a:xfrm flipH="1">
+              <a:off x="7415691" y="510493"/>
+              <a:ext cx="5376633" cy="126555"/>
+            </a:xfrm>
+            <a:custGeom>
+              <a:avLst/>
+              <a:gdLst>
+                <a:gd name="connsiteX0" fmla="*/ 7367523 w 7367523"/>
+                <a:gd name="connsiteY0" fmla="*/ 0 h 173416"/>
+                <a:gd name="connsiteX1" fmla="*/ 6374783 w 7367523"/>
+                <a:gd name="connsiteY1" fmla="*/ 0 h 173416"/>
+                <a:gd name="connsiteX2" fmla="*/ 6240349 w 7367523"/>
+                <a:gd name="connsiteY2" fmla="*/ 0 h 173416"/>
+                <a:gd name="connsiteX3" fmla="*/ 5540227 w 7367523"/>
+                <a:gd name="connsiteY3" fmla="*/ 0 h 173416"/>
+                <a:gd name="connsiteX4" fmla="*/ 5247612 w 7367523"/>
+                <a:gd name="connsiteY4" fmla="*/ 0 h 173416"/>
+                <a:gd name="connsiteX5" fmla="*/ 4707193 w 7367523"/>
+                <a:gd name="connsiteY5" fmla="*/ 0 h 173416"/>
+                <a:gd name="connsiteX6" fmla="*/ 4413053 w 7367523"/>
+                <a:gd name="connsiteY6" fmla="*/ 0 h 173416"/>
+                <a:gd name="connsiteX7" fmla="*/ 3865356 w 7367523"/>
+                <a:gd name="connsiteY7" fmla="*/ 0 h 173416"/>
+                <a:gd name="connsiteX8" fmla="*/ 3580019 w 7367523"/>
+                <a:gd name="connsiteY8" fmla="*/ 0 h 173416"/>
+                <a:gd name="connsiteX9" fmla="*/ 2872616 w 7367523"/>
+                <a:gd name="connsiteY9" fmla="*/ 0 h 173416"/>
+                <a:gd name="connsiteX10" fmla="*/ 2738183 w 7367523"/>
+                <a:gd name="connsiteY10" fmla="*/ 0 h 173416"/>
+                <a:gd name="connsiteX11" fmla="*/ 2038060 w 7367523"/>
+                <a:gd name="connsiteY11" fmla="*/ 0 h 173416"/>
+                <a:gd name="connsiteX12" fmla="*/ 1745445 w 7367523"/>
+                <a:gd name="connsiteY12" fmla="*/ 0 h 173416"/>
+                <a:gd name="connsiteX13" fmla="*/ 1205026 w 7367523"/>
+                <a:gd name="connsiteY13" fmla="*/ 0 h 173416"/>
+                <a:gd name="connsiteX14" fmla="*/ 910887 w 7367523"/>
+                <a:gd name="connsiteY14" fmla="*/ 0 h 173416"/>
+                <a:gd name="connsiteX15" fmla="*/ 77853 w 7367523"/>
+                <a:gd name="connsiteY15" fmla="*/ 0 h 173416"/>
+                <a:gd name="connsiteX16" fmla="*/ 0 w 7367523"/>
+                <a:gd name="connsiteY16" fmla="*/ 173416 h 173416"/>
+                <a:gd name="connsiteX17" fmla="*/ 7289670 w 7367523"/>
+                <a:gd name="connsiteY17" fmla="*/ 173416 h 173416"/>
+              </a:gdLst>
+              <a:ahLst/>
+              <a:cxnLst>
+                <a:cxn ang="0">
+                  <a:pos x="connsiteX0" y="connsiteY0"/>
+                </a:cxn>
+                <a:cxn ang="0">
+                  <a:pos x="connsiteX1" y="connsiteY1"/>
+                </a:cxn>
+                <a:cxn ang="0">
+                  <a:pos x="connsiteX2" y="connsiteY2"/>
+                </a:cxn>
+                <a:cxn ang="0">
+                  <a:pos x="connsiteX3" y="connsiteY3"/>
+                </a:cxn>
+                <a:cxn ang="0">
+                  <a:pos x="connsiteX4" y="connsiteY4"/>
+                </a:cxn>
+                <a:cxn ang="0">
+                  <a:pos x="connsiteX5" y="connsiteY5"/>
+                </a:cxn>
+                <a:cxn ang="0">
+                  <a:pos x="connsiteX6" y="connsiteY6"/>
+                </a:cxn>
+                <a:cxn ang="0">
+                  <a:pos x="connsiteX7" y="connsiteY7"/>
+                </a:cxn>
+                <a:cxn ang="0">
+                  <a:pos x="connsiteX8" y="connsiteY8"/>
+                </a:cxn>
+                <a:cxn ang="0">
+                  <a:pos x="connsiteX9" y="connsiteY9"/>
+                </a:cxn>
+                <a:cxn ang="0">
+                  <a:pos x="connsiteX10" y="connsiteY10"/>
+                </a:cxn>
+                <a:cxn ang="0">
+                  <a:pos x="connsiteX11" y="connsiteY11"/>
+                </a:cxn>
+                <a:cxn ang="0">
+                  <a:pos x="connsiteX12" y="connsiteY12"/>
+                </a:cxn>
+                <a:cxn ang="0">
+                  <a:pos x="connsiteX13" y="connsiteY13"/>
+                </a:cxn>
+                <a:cxn ang="0">
+                  <a:pos x="connsiteX14" y="connsiteY14"/>
+                </a:cxn>
+                <a:cxn ang="0">
+                  <a:pos x="connsiteX15" y="connsiteY15"/>
+                </a:cxn>
+                <a:cxn ang="0">
+                  <a:pos x="connsiteX16" y="connsiteY16"/>
+                </a:cxn>
+                <a:cxn ang="0">
+                  <a:pos x="connsiteX17" y="connsiteY17"/>
+                </a:cxn>
+              </a:cxnLst>
+              <a:rect l="l" t="t" r="r" b="b"/>
+              <a:pathLst>
+                <a:path w="7367523" h="173416">
+                  <a:moveTo>
+                    <a:pt x="7367523" y="0"/>
+                  </a:moveTo>
+                  <a:lnTo>
+                    <a:pt x="6374783" y="0"/>
+                  </a:lnTo>
+                  <a:lnTo>
+                    <a:pt x="6240349" y="0"/>
+                  </a:lnTo>
+                  <a:lnTo>
+                    <a:pt x="5540227" y="0"/>
+                  </a:lnTo>
+                  <a:lnTo>
+                    <a:pt x="5247612" y="0"/>
+                  </a:lnTo>
+                  <a:lnTo>
+                    <a:pt x="4707193" y="0"/>
+                  </a:lnTo>
+                  <a:lnTo>
+                    <a:pt x="4413053" y="0"/>
+                  </a:lnTo>
+                  <a:lnTo>
+                    <a:pt x="3865356" y="0"/>
+                  </a:lnTo>
+                  <a:lnTo>
+                    <a:pt x="3580019" y="0"/>
+                  </a:lnTo>
+                  <a:lnTo>
+                    <a:pt x="2872616" y="0"/>
+                  </a:lnTo>
+                  <a:lnTo>
+                    <a:pt x="2738183" y="0"/>
+                  </a:lnTo>
+                  <a:lnTo>
+                    <a:pt x="2038060" y="0"/>
+                  </a:lnTo>
+                  <a:lnTo>
+                    <a:pt x="1745445" y="0"/>
+                  </a:lnTo>
+                  <a:lnTo>
+                    <a:pt x="1205026" y="0"/>
+                  </a:lnTo>
+                  <a:lnTo>
+                    <a:pt x="910887" y="0"/>
+                  </a:lnTo>
+                  <a:lnTo>
+                    <a:pt x="77853" y="0"/>
+                  </a:lnTo>
+                  <a:lnTo>
+                    <a:pt x="0" y="173416"/>
+                  </a:lnTo>
+                  <a:lnTo>
+                    <a:pt x="7289670" y="173416"/>
+                  </a:lnTo>
+                  <a:close/>
+                </a:path>
+              </a:pathLst>
+            </a:custGeom>
+            <a:solidFill>
+              <a:schemeClr val="bg2"/>
+            </a:solidFill>
+            <a:ln>
+              <a:noFill/>
+            </a:ln>
+          </p:spPr>
+          <p:style>
+            <a:lnRef idx="2">
+              <a:schemeClr val="accent1">
+                <a:shade val="50000"/>
+              </a:schemeClr>
+            </a:lnRef>
+            <a:fillRef idx="1">
+              <a:schemeClr val="accent1"/>
+            </a:fillRef>
+            <a:effectRef idx="0">
+              <a:schemeClr val="accent1"/>
+            </a:effectRef>
+            <a:fontRef idx="minor">
+              <a:schemeClr val="lt1"/>
+            </a:fontRef>
+          </p:style>
+          <p:txBody>
+            <a:bodyPr rot="0" spcFirstLastPara="0" vertOverflow="overflow" horzOverflow="overflow" vert="horz" wrap="square" lIns="91440" tIns="45720" rIns="91440" bIns="45720" numCol="1" spcCol="0" rtlCol="0" fromWordArt="0" anchor="ctr" anchorCtr="0" forceAA="0" compatLnSpc="1">
+              <a:noAutofit/>
+            </a:bodyPr>
+            <a:lstStyle/>
+            <a:p>
+              <a:pPr algn="ctr"/>
+              <a:endParaRPr lang="zh-CN" altLang="en-US"/>
+            </a:p>
+          </p:txBody>
+        </p:sp>
+      </p:grpSp>
+      <p:sp>
+        <p:nvSpPr>
+          <p:cNvPr id="24" name="任意多边形: 形状 23">
+            <a:extLst>
+              <a:ext uri="{FF2B5EF4-FFF2-40B4-BE49-F238E27FC236}">
+                <a16:creationId xmlns:a16="http://schemas.microsoft.com/office/drawing/2014/main" id="{AF889060-C77E-5AE8-B2FB-2A55BCD92297}"/>
+              </a:ext>
+            </a:extLst>
+          </p:cNvPr>
+          <p:cNvSpPr/>
+          <p:nvPr/>
+        </p:nvSpPr>
+        <p:spPr>
+          <a:xfrm flipH="1">
+            <a:off x="129621" y="0"/>
+            <a:ext cx="586522" cy="1047087"/>
+          </a:xfrm>
+          <a:custGeom>
+            <a:avLst/>
+            <a:gdLst>
+              <a:gd name="connsiteX0" fmla="*/ 586522 w 586522"/>
+              <a:gd name="connsiteY0" fmla="*/ 0 h 1047087"/>
+              <a:gd name="connsiteX1" fmla="*/ 470079 w 586522"/>
+              <a:gd name="connsiteY1" fmla="*/ 0 h 1047087"/>
+              <a:gd name="connsiteX2" fmla="*/ 0 w 586522"/>
+              <a:gd name="connsiteY2" fmla="*/ 1047087 h 1047087"/>
+              <a:gd name="connsiteX3" fmla="*/ 116443 w 586522"/>
+              <a:gd name="connsiteY3" fmla="*/ 1047087 h 1047087"/>
+            </a:gdLst>
+            <a:ahLst/>
+            <a:cxnLst>
+              <a:cxn ang="0">
+                <a:pos x="connsiteX0" y="connsiteY0"/>
+              </a:cxn>
+              <a:cxn ang="0">
+                <a:pos x="connsiteX1" y="connsiteY1"/>
+              </a:cxn>
+              <a:cxn ang="0">
+                <a:pos x="connsiteX2" y="connsiteY2"/>
+              </a:cxn>
+              <a:cxn ang="0">
+                <a:pos x="connsiteX3" y="connsiteY3"/>
+              </a:cxn>
+            </a:cxnLst>
+            <a:rect l="l" t="t" r="r" b="b"/>
+            <a:pathLst>
+              <a:path w="586522" h="1047087">
+                <a:moveTo>
+                  <a:pt x="586522" y="0"/>
+                </a:moveTo>
+                <a:lnTo>
+                  <a:pt x="470079" y="0"/>
+                </a:lnTo>
+                <a:lnTo>
+                  <a:pt x="0" y="1047087"/>
+                </a:lnTo>
+                <a:lnTo>
+                  <a:pt x="116443" y="1047087"/>
+                </a:lnTo>
+                <a:close/>
+              </a:path>
+            </a:pathLst>
+          </a:custGeom>
+          <a:gradFill flip="none" rotWithShape="0">
+            <a:gsLst>
+              <a:gs pos="0">
+                <a:srgbClr val="53A5F5">
+                  <a:lumMod val="73000"/>
+                  <a:lumOff val="27000"/>
+                </a:srgbClr>
+              </a:gs>
+              <a:gs pos="94000">
+                <a:srgbClr val="9214CF">
+                  <a:lumMod val="73000"/>
+                  <a:lumOff val="27000"/>
+                </a:srgbClr>
+              </a:gs>
+            </a:gsLst>
+            <a:lin ang="2700000" scaled="1"/>
+            <a:tileRect/>
+          </a:gradFill>
+          <a:ln>
+            <a:noFill/>
+          </a:ln>
+        </p:spPr>
+        <p:style>
+          <a:lnRef idx="2">
+            <a:schemeClr val="accent1">
+              <a:shade val="50000"/>
+            </a:schemeClr>
+          </a:lnRef>
+          <a:fillRef idx="1">
+            <a:schemeClr val="accent1"/>
+          </a:fillRef>
+          <a:effectRef idx="0">
+            <a:schemeClr val="accent1"/>
+          </a:effectRef>
+          <a:fontRef idx="minor">
+            <a:schemeClr val="lt1"/>
+          </a:fontRef>
+        </p:style>
+        <p:txBody>
+          <a:bodyPr rot="0" spcFirstLastPara="0" vertOverflow="overflow" horzOverflow="overflow" vert="horz" wrap="square" lIns="91440" tIns="45720" rIns="91440" bIns="45720" numCol="1" spcCol="0" rtlCol="0" fromWordArt="0" anchor="ctr" anchorCtr="0" forceAA="0" compatLnSpc="1">
+            <a:noAutofit/>
+          </a:bodyPr>
+          <a:lstStyle/>
+          <a:p>
+            <a:pPr algn="ctr"/>
+            <a:endParaRPr lang="zh-CN" altLang="en-US"/>
+          </a:p>
+        </p:txBody>
+      </p:sp>
+      <p:sp>
+        <p:nvSpPr>
+          <p:cNvPr id="25" name="任意多边形: 形状 24">
+            <a:extLst>
+              <a:ext uri="{FF2B5EF4-FFF2-40B4-BE49-F238E27FC236}">
+                <a16:creationId xmlns:a16="http://schemas.microsoft.com/office/drawing/2014/main" id="{02458EA1-81A8-0410-33B9-6C5A7F362F16}"/>
+              </a:ext>
+            </a:extLst>
+          </p:cNvPr>
+          <p:cNvSpPr/>
+          <p:nvPr/>
+        </p:nvSpPr>
+        <p:spPr>
+          <a:xfrm flipH="1">
+            <a:off x="581108" y="202981"/>
+            <a:ext cx="344503" cy="615023"/>
+          </a:xfrm>
+          <a:custGeom>
+            <a:avLst/>
+            <a:gdLst>
+              <a:gd name="connsiteX0" fmla="*/ 586522 w 586522"/>
+              <a:gd name="connsiteY0" fmla="*/ 0 h 1047087"/>
+              <a:gd name="connsiteX1" fmla="*/ 470079 w 586522"/>
+              <a:gd name="connsiteY1" fmla="*/ 0 h 1047087"/>
+              <a:gd name="connsiteX2" fmla="*/ 0 w 586522"/>
+              <a:gd name="connsiteY2" fmla="*/ 1047087 h 1047087"/>
+              <a:gd name="connsiteX3" fmla="*/ 116443 w 586522"/>
+              <a:gd name="connsiteY3" fmla="*/ 1047087 h 1047087"/>
+            </a:gdLst>
+            <a:ahLst/>
+            <a:cxnLst>
+              <a:cxn ang="0">
+                <a:pos x="connsiteX0" y="connsiteY0"/>
+              </a:cxn>
+              <a:cxn ang="0">
+                <a:pos x="connsiteX1" y="connsiteY1"/>
+              </a:cxn>
+              <a:cxn ang="0">
+                <a:pos x="connsiteX2" y="connsiteY2"/>
+              </a:cxn>
+              <a:cxn ang="0">
+                <a:pos x="connsiteX3" y="connsiteY3"/>
+              </a:cxn>
+            </a:cxnLst>
+            <a:rect l="l" t="t" r="r" b="b"/>
+            <a:pathLst>
+              <a:path w="586522" h="1047087">
+                <a:moveTo>
+                  <a:pt x="586522" y="0"/>
+                </a:moveTo>
+                <a:lnTo>
+                  <a:pt x="470079" y="0"/>
+                </a:lnTo>
+                <a:lnTo>
+                  <a:pt x="0" y="1047087"/>
+                </a:lnTo>
+                <a:lnTo>
+                  <a:pt x="116443" y="1047087"/>
+                </a:lnTo>
+                <a:close/>
+              </a:path>
+            </a:pathLst>
+          </a:custGeom>
+          <a:solidFill>
+            <a:schemeClr val="bg1">
+              <a:lumMod val="95000"/>
+            </a:schemeClr>
+          </a:solidFill>
+          <a:ln>
+            <a:noFill/>
+          </a:ln>
+        </p:spPr>
+        <p:style>
+          <a:lnRef idx="2">
+            <a:schemeClr val="accent1">
+              <a:shade val="50000"/>
+            </a:schemeClr>
+          </a:lnRef>
+          <a:fillRef idx="1">
+            <a:schemeClr val="accent1"/>
+          </a:fillRef>
+          <a:effectRef idx="0">
+            <a:schemeClr val="accent1"/>
+          </a:effectRef>
+          <a:fontRef idx="minor">
+            <a:schemeClr val="lt1"/>
+          </a:fontRef>
+        </p:style>
+        <p:txBody>
+          <a:bodyPr rot="0" spcFirstLastPara="0" vertOverflow="overflow" horzOverflow="overflow" vert="horz" wrap="square" lIns="91440" tIns="45720" rIns="91440" bIns="45720" numCol="1" spcCol="0" rtlCol="0" fromWordArt="0" anchor="ctr" anchorCtr="0" forceAA="0" compatLnSpc="1">
+            <a:noAutofit/>
+          </a:bodyPr>
+          <a:lstStyle/>
+          <a:p>
+            <a:pPr algn="ctr"/>
+            <a:endParaRPr lang="zh-CN" altLang="en-US"/>
+          </a:p>
+        </p:txBody>
+      </p:sp>
+      <p:sp>
+        <p:nvSpPr>
+          <p:cNvPr id="6" name="文本框 5">
+            <a:extLst>
+              <a:ext uri="{FF2B5EF4-FFF2-40B4-BE49-F238E27FC236}">
+                <a16:creationId xmlns:a16="http://schemas.microsoft.com/office/drawing/2014/main" id="{BB296408-EDDC-7DEF-0368-6A448327EC24}"/>
+              </a:ext>
+            </a:extLst>
+          </p:cNvPr>
+          <p:cNvSpPr txBox="1"/>
+          <p:nvPr/>
+        </p:nvSpPr>
+        <p:spPr>
+          <a:xfrm>
+            <a:off x="325741" y="1250068"/>
+            <a:ext cx="11540518" cy="2246769"/>
+          </a:xfrm>
+          <a:prstGeom prst="rect">
+            <a:avLst/>
+          </a:prstGeom>
+          <a:noFill/>
+        </p:spPr>
+        <p:txBody>
+          <a:bodyPr wrap="square" rtlCol="0">
+            <a:spAutoFit/>
+          </a:bodyPr>
+          <a:lstStyle/>
+          <a:p>
+            <a:pPr marL="457200" indent="-457200">
+              <a:buAutoNum type="arabicPeriod"/>
+            </a:pPr>
+            <a:r>
+              <a:rPr lang="zh-CN" altLang="en-US" sz="2000">
+                <a:highlight>
+                  <a:srgbClr val="FFFFFF"/>
+                </a:highlight>
+                <a:latin typeface="-apple-system"/>
+              </a:rPr>
+              <a:t>智能手表提供的感知振动特性（例如强度、频率、类型、持续时间）与方向线索是否存在映射以及如何映射。</a:t>
+            </a:r>
+            <a:endParaRPr lang="en-US" altLang="zh-CN" sz="2000">
+              <a:highlight>
+                <a:srgbClr val="FFFFFF"/>
+              </a:highlight>
+              <a:latin typeface="-apple-system"/>
+            </a:endParaRPr>
+          </a:p>
+          <a:p>
+            <a:pPr marL="457200" indent="-457200">
+              <a:buAutoNum type="arabicPeriod"/>
+            </a:pPr>
+            <a:r>
+              <a:rPr lang="zh-CN" altLang="en-US" sz="2000">
+                <a:highlight>
+                  <a:srgbClr val="FFFFFF"/>
+                </a:highlight>
+                <a:latin typeface="-apple-system"/>
+              </a:rPr>
+              <a:t>用户是否有能力快速学习并记住振动特性和方向之间的映射。</a:t>
+            </a:r>
+            <a:endParaRPr lang="en-US" altLang="zh-CN" sz="2000">
+              <a:highlight>
+                <a:srgbClr val="FFFFFF"/>
+              </a:highlight>
+              <a:latin typeface="-apple-system"/>
+            </a:endParaRPr>
+          </a:p>
+          <a:p>
+            <a:pPr marL="457200" indent="-457200">
+              <a:buAutoNum type="arabicPeriod"/>
+            </a:pPr>
+            <a:r>
+              <a:rPr lang="zh-CN" altLang="en-US" sz="2000">
+                <a:highlight>
+                  <a:srgbClr val="FFFFFF"/>
+                </a:highlight>
+                <a:latin typeface="-apple-system"/>
+              </a:rPr>
+              <a:t>过多或不准确的反馈可能会干扰用户的感知和行动。应仔细设计反馈相关的因素和参数来缓解这种限制。</a:t>
+            </a:r>
+            <a:endParaRPr lang="en-US" altLang="zh-CN" sz="2000">
+              <a:highlight>
+                <a:srgbClr val="FFFFFF"/>
+              </a:highlight>
+              <a:latin typeface="-apple-system"/>
+            </a:endParaRPr>
+          </a:p>
+          <a:p>
+            <a:pPr marL="457200" indent="-457200">
+              <a:buAutoNum type="arabicPeriod"/>
+            </a:pPr>
+            <a:r>
+              <a:rPr lang="zh-CN" altLang="en-US" sz="2000">
+                <a:highlight>
+                  <a:srgbClr val="FFFFFF"/>
+                </a:highlight>
+                <a:latin typeface="-apple-system"/>
+              </a:rPr>
+              <a:t>智能手表的触觉反馈在导航方面的性能也尚未得到充分探索。</a:t>
+            </a:r>
+            <a:endParaRPr lang="en-US" altLang="zh-CN" sz="2000">
+              <a:highlight>
+                <a:srgbClr val="FFFFFF"/>
+              </a:highlight>
+              <a:latin typeface="-apple-system"/>
+            </a:endParaRPr>
+          </a:p>
+          <a:p>
+            <a:pPr marL="457200" indent="-457200">
+              <a:buAutoNum type="arabicPeriod"/>
+            </a:pPr>
+            <a:endParaRPr lang="en-US" altLang="zh-CN" sz="2000">
+              <a:highlight>
+                <a:srgbClr val="FFFFFF"/>
+              </a:highlight>
+              <a:latin typeface="-apple-system"/>
+            </a:endParaRPr>
+          </a:p>
+        </p:txBody>
+      </p:sp>
+      <p:sp>
+        <p:nvSpPr>
+          <p:cNvPr id="2" name="文本框 1">
+            <a:extLst>
+              <a:ext uri="{FF2B5EF4-FFF2-40B4-BE49-F238E27FC236}">
+                <a16:creationId xmlns:a16="http://schemas.microsoft.com/office/drawing/2014/main" id="{4CBC3C0E-C432-D052-461E-1FAF78331437}"/>
+              </a:ext>
+            </a:extLst>
+          </p:cNvPr>
+          <p:cNvSpPr txBox="1"/>
+          <p:nvPr/>
+        </p:nvSpPr>
+        <p:spPr bwMode="auto">
+          <a:xfrm>
+            <a:off x="716144" y="325776"/>
+            <a:ext cx="1629024" cy="523220"/>
+          </a:xfrm>
+          <a:prstGeom prst="rect">
+            <a:avLst/>
+          </a:prstGeom>
+          <a:noFill/>
+        </p:spPr>
+        <p:txBody>
+          <a:bodyPr wrap="square">
+            <a:spAutoFit/>
+            <a:scene3d>
+              <a:camera prst="orthographicFront"/>
+              <a:lightRig rig="threePt" dir="t"/>
+            </a:scene3d>
+            <a:sp3d contourW="12700"/>
+          </a:bodyPr>
+          <a:lstStyle/>
+          <a:p>
+            <a:pPr>
+              <a:defRPr/>
+            </a:pPr>
+            <a:r>
+              <a:rPr lang="zh-CN" altLang="en-US" sz="2800" b="1">
+                <a:solidFill>
+                  <a:srgbClr val="7F12B6"/>
+                </a:solidFill>
+                <a:latin typeface="时尚中黑简体" panose="01010104010101010101" pitchFamily="2" charset="-122"/>
+                <a:ea typeface="时尚中黑简体" panose="01010104010101010101" pitchFamily="2" charset="-122"/>
+              </a:rPr>
+              <a:t>设计</a:t>
+            </a:r>
+            <a:endParaRPr lang="en-US" altLang="zh-CN" sz="2800" b="1" dirty="0">
+              <a:solidFill>
+                <a:srgbClr val="7F12B6"/>
+              </a:solidFill>
+              <a:latin typeface="时尚中黑简体" panose="01010104010101010101" pitchFamily="2" charset="-122"/>
+              <a:ea typeface="时尚中黑简体" panose="01010104010101010101" pitchFamily="2" charset="-122"/>
+            </a:endParaRPr>
+          </a:p>
+        </p:txBody>
+      </p:sp>
+    </p:spTree>
+    <p:extLst>
+      <p:ext uri="{BB962C8B-B14F-4D97-AF65-F5344CB8AC3E}">
+        <p14:creationId xmlns:p14="http://schemas.microsoft.com/office/powerpoint/2010/main" val="3159974173"/>
+      </p:ext>
+    </p:extLst>
+  </p:cSld>
+  <p:clrMapOvr>
+    <a:masterClrMapping/>
+  </p:clrMapOvr>
+  <mc:AlternateContent xmlns:mc="http://schemas.openxmlformats.org/markup-compatibility/2006" xmlns:p14="http://schemas.microsoft.com/office/powerpoint/2010/main">
+    <mc:Choice Requires="p14">
+      <p:transition spd="slow" p14:dur="1500" advTm="0">
+        <p:random/>
+      </p:transition>
+    </mc:Choice>
+    <mc:Fallback xmlns="">
+      <p:transition spd="slow" advTm="0">
+        <p:random/>
+      </p:transition>
+    </mc:Fallback>
+  </mc:AlternateContent>
+</p:sld>
+</file>
+
 <file path=ppt/slides/slide2.xml><?xml version="1.0" encoding="utf-8"?>
 <p:sld xmlns:a="http://schemas.openxmlformats.org/drawingml/2006/main" xmlns:r="http://schemas.openxmlformats.org/officeDocument/2006/relationships" xmlns:p="http://schemas.openxmlformats.org/presentationml/2006/main">
   <p:cSld>
